--- a/lectures/lecture-24/Lecture-Live A00/Lecture 24 - Lecture.pptx
+++ b/lectures/lecture-24/Lecture-Live A00/Lecture 24 - Lecture.pptx
@@ -143,6 +143,198 @@
     </p:ext>
   </p:extLst>
 </p:presentation>
+</file>
+
+<file path=ppt/ink/ink1.xml><?xml version="1.0" encoding="utf-8"?>
+<inkml:ink xmlns:inkml="http://www.w3.org/2003/InkML">
+  <inkml:definitions>
+    <inkml:context xml:id="ctx0">
+      <inkml:inkSource xml:id="inkSrc0">
+        <inkml:traceFormat>
+          <inkml:channel name="X" type="integer" min="-2.14748E9" max="2.14748E9" units="cm"/>
+          <inkml:channel name="Y" type="integer" min="-2.14748E9" max="2.14748E9" units="cm"/>
+          <inkml:channel name="F" type="integer" max="32767" units="dev"/>
+          <inkml:channel name="OA" type="integer" max="360" units="deg"/>
+          <inkml:channel name="OE" type="integer" max="90" units="deg"/>
+        </inkml:traceFormat>
+        <inkml:channelProperties>
+          <inkml:channelProperty channel="X" name="resolution" value="1000" units="1/cm"/>
+          <inkml:channelProperty channel="Y" name="resolution" value="1000" units="1/cm"/>
+          <inkml:channelProperty channel="F" name="resolution" value="0" units="1/dev"/>
+          <inkml:channelProperty channel="OA" name="resolution" value="1000" units="1/deg"/>
+          <inkml:channelProperty channel="OE" name="resolution" value="1000" units="1/deg"/>
+        </inkml:channelProperties>
+      </inkml:inkSource>
+      <inkml:timestamp xml:id="ts0" timeString="2020-12-04T17:00:38.573"/>
+    </inkml:context>
+    <inkml:brush xml:id="br0">
+      <inkml:brushProperty name="width" value="0.05" units="cm"/>
+      <inkml:brushProperty name="height" value="0.05" units="cm"/>
+      <inkml:brushProperty name="color" value="#004F8B"/>
+    </inkml:brush>
+  </inkml:definitions>
+  <inkml:trace contextRef="#ctx0" brushRef="#br0">15 69 1840 0 0,'-1'-10'-106'0'0,"-4"-5"4453"0"0,4 12-3435 0 0,0 0 0 0 0,0 0 0 0 0,1 0-1 0 0,-1-1 1 0 0,0 1 0 0 0,1-4 0 0 0,-3-9 2842 0 0,4 15-2884 0 0,-1 1-821 0 0,0 0 1 0 0,0 0 0 0 0,0 0 0 0 0,1 0 0 0 0,-1-1 0 0 0,0 1 0 0 0,0 0 0 0 0,1 0 0 0 0,-1 0 0 0 0,0 0 0 0 0,0 0 0 0 0,1 0 0 0 0,-1 0 0 0 0,0 0 0 0 0,0 0 0 0 0,1 0 0 0 0,-1 0 0 0 0,0 0 0 0 0,0 0 0 0 0,1 0 0 0 0,-1 0 0 0 0,0 1 0 0 0,0-1 0 0 0,0 0 0 0 0,1 0 0 0 0,-1 0 0 0 0,0 0 0 0 0,1 0 0 0 0,25 25 2764 0 0,8-7-2110 0 0,1-3-1 0 0,1 0 1 0 0,0-3-1 0 0,0-1 1 0 0,48 8 0 0 0,-24-10-204 0 0,1-2 0 0 0,68-2 0 0 0,123-14 704 0 0,-14 0-805 0 0,-189 9-229 0 0,29 0 375 0 0,87 10-1 0 0,-128-6-407 0 0,52 9 30 0 0,-80-10-100 0 0,-6-2-33 0 0,0 0 0 0 0,0 0 1 0 0,0-1-1 0 0,0 1 0 0 0,5 0 0 0 0,-2-2-77 0 0,-5 1 43 0 0,-1 0 0 0 0,0 0-1 0 0,1-1 1 0 0,-1 1 0 0 0,0 0-1 0 0,0 0 1 0 0,1 0-1 0 0,-1 0 1 0 0,0 0 0 0 0,1 0-1 0 0,-1-1 1 0 0,0 1 0 0 0,0 0-1 0 0,1 0 1 0 0,-1 0-1 0 0,0-1 1 0 0,0 1 0 0 0,0 0-1 0 0,1 0 1 0 0,-1-1 0 0 0,0 1-1 0 0,0 0 1 0 0,0-1 0 0 0,0 1-1 0 0,1 0 1 0 0,-1-1-1 0 0,0 1 1 0 0,0 0 0 0 0,0 0-1 0 0,0-1 1 0 0,0 1 0 0 0,0 0-1 0 0,0-1 1 0 0,0 1-1 0 0,0-1 1 0 0,0 0-47 0 0,1 0 0 0 0,-1 0 0 0 0,0 0 0 0 0,0-1 0 0 0,1 1 0 0 0,-1 0 0 0 0,0 0 0 0 0,0 0 0 0 0,0 0-1 0 0,0 0 1 0 0,-1-1 0 0 0,1 1 0 0 0,0 0 0 0 0,0 0 0 0 0,-1-2 0 0 0,0 2-88 0 0,1 1 0 0 0,0-1 1 0 0,0 1-1 0 0,-1-1 0 0 0,1 1 0 0 0,0 0 0 0 0,-1-1 0 0 0,1 1 1 0 0,-1-1-1 0 0,1 1 0 0 0,0 0 0 0 0,-1-1 0 0 0,1 1 0 0 0,-1 0 0 0 0,1 0 1 0 0,-1-1-1 0 0,1 1 0 0 0,-1 0 0 0 0,1 0 0 0 0,-1 0 0 0 0,1-1 1 0 0,-1 1-1 0 0,0 0 0 0 0,-4 0-1284 0 0</inkml:trace>
+</inkml:ink>
+</file>
+
+<file path=ppt/ink/ink2.xml><?xml version="1.0" encoding="utf-8"?>
+<inkml:ink xmlns:inkml="http://www.w3.org/2003/InkML">
+  <inkml:definitions>
+    <inkml:context xml:id="ctx0">
+      <inkml:inkSource xml:id="inkSrc0">
+        <inkml:traceFormat>
+          <inkml:channel name="X" type="integer" min="-2.14748E9" max="2.14748E9" units="cm"/>
+          <inkml:channel name="Y" type="integer" min="-2.14748E9" max="2.14748E9" units="cm"/>
+          <inkml:channel name="F" type="integer" max="32767" units="dev"/>
+          <inkml:channel name="OA" type="integer" max="360" units="deg"/>
+          <inkml:channel name="OE" type="integer" max="90" units="deg"/>
+        </inkml:traceFormat>
+        <inkml:channelProperties>
+          <inkml:channelProperty channel="X" name="resolution" value="1000" units="1/cm"/>
+          <inkml:channelProperty channel="Y" name="resolution" value="1000" units="1/cm"/>
+          <inkml:channelProperty channel="F" name="resolution" value="0" units="1/dev"/>
+          <inkml:channelProperty channel="OA" name="resolution" value="1000" units="1/deg"/>
+          <inkml:channelProperty channel="OE" name="resolution" value="1000" units="1/deg"/>
+        </inkml:channelProperties>
+      </inkml:inkSource>
+      <inkml:timestamp xml:id="ts0" timeString="2020-12-04T17:00:40.335"/>
+    </inkml:context>
+    <inkml:brush xml:id="br0">
+      <inkml:brushProperty name="width" value="0.05" units="cm"/>
+      <inkml:brushProperty name="height" value="0.05" units="cm"/>
+      <inkml:brushProperty name="color" value="#004F8B"/>
+    </inkml:brush>
+  </inkml:definitions>
+  <inkml:trace contextRef="#ctx0" brushRef="#br0">18 29 920 0 0,'-18'22'20623'0'0,"20"-22"-20159"0"0,8 5 82 0 0,1 0-1 0 0,0-2 0 0 0,0 1 0 0 0,1-1 0 0 0,21 2 0 0 0,-15-2-225 0 0,33 5 801 0 0,75 2 0 0 0,52-10-251 0 0,-12 0-330 0 0,161 19 166 0 0,-244-11-538 0 0,50 3 191 0 0,-104-10-206 0 0,0-2 1 0 0,46-6-1 0 0,122-30 343 0 0,-120 21-61 0 0,132-21 181 0 0,-193 34-660 0 0,-11 1 30 0 0,0 1-1 0 0,1 1 1 0 0,-1-1 0 0 0,7 1 0 0 0,-11-1 17 0 0,6 3 63 0 0,-6-2 9 0 0,2-1-59 0 0,-1-2-16 0 0,1 1-19 0 0,3-8-370 0 0,-5 9-50 0 0,-1 0 1 0 0,1 0 0 0 0,0 0 0 0 0,0 0-1 0 0,-1 0 1 0 0,1 0 0 0 0,0 0-1 0 0,0 0 1 0 0,0 0 0 0 0,0 0-1 0 0,1 0 1 0 0,4-2-1118 0 0</inkml:trace>
+</inkml:ink>
+</file>
+
+<file path=ppt/ink/ink3.xml><?xml version="1.0" encoding="utf-8"?>
+<inkml:ink xmlns:inkml="http://www.w3.org/2003/InkML">
+  <inkml:definitions>
+    <inkml:context xml:id="ctx0">
+      <inkml:inkSource xml:id="inkSrc0">
+        <inkml:traceFormat>
+          <inkml:channel name="X" type="integer" min="-2.14748E9" max="2.14748E9" units="cm"/>
+          <inkml:channel name="Y" type="integer" min="-2.14748E9" max="2.14748E9" units="cm"/>
+          <inkml:channel name="F" type="integer" max="32767" units="dev"/>
+          <inkml:channel name="OA" type="integer" max="360" units="deg"/>
+          <inkml:channel name="OE" type="integer" max="90" units="deg"/>
+        </inkml:traceFormat>
+        <inkml:channelProperties>
+          <inkml:channelProperty channel="X" name="resolution" value="1000" units="1/cm"/>
+          <inkml:channelProperty channel="Y" name="resolution" value="1000" units="1/cm"/>
+          <inkml:channelProperty channel="F" name="resolution" value="0" units="1/dev"/>
+          <inkml:channelProperty channel="OA" name="resolution" value="1000" units="1/deg"/>
+          <inkml:channelProperty channel="OE" name="resolution" value="1000" units="1/deg"/>
+        </inkml:channelProperties>
+      </inkml:inkSource>
+      <inkml:timestamp xml:id="ts0" timeString="2020-12-04T17:00:42.462"/>
+    </inkml:context>
+    <inkml:brush xml:id="br0">
+      <inkml:brushProperty name="width" value="0.05" units="cm"/>
+      <inkml:brushProperty name="height" value="0.05" units="cm"/>
+      <inkml:brushProperty name="color" value="#004F8B"/>
+    </inkml:brush>
+  </inkml:definitions>
+  <inkml:trace contextRef="#ctx0" brushRef="#br0">17 85 7368 0 0,'0'0'568'0'0,"-16"-9"7168"0"0,16 9-7602 0 0,0-1 0 0 0,0 0 0 0 0,1 0 0 0 0,-1 0 0 0 0,0 0 1 0 0,1 0-1 0 0,-1 0 0 0 0,0 0 0 0 0,1 1 0 0 0,-1-1 0 0 0,1 0 1 0 0,0 0-1 0 0,-1 0 0 0 0,1 1 0 0 0,-1-1 0 0 0,1 0 0 0 0,0 1 1 0 0,0-1-1 0 0,-1 1 0 0 0,1-1 0 0 0,0 1 0 0 0,0-1 0 0 0,0 1 1 0 0,0-1-1 0 0,0 1 0 0 0,0 0 0 0 0,-1 0 0 0 0,2-1 1 0 0,30-4 991 0 0,-31 5-1041 0 0,6-1 42 0 0,10 0 495 0 0,0 0 0 0 0,0 0 0 0 0,32 5 0 0 0,2 1 130 0 0,1-1 1 0 0,-1-3 0 0 0,101-11-1 0 0,-95 3-408 0 0,131-9 440 0 0,-107 13-459 0 0,97 0 318 0 0,-34 20 453 0 0,-106-17-1163 0 0,-24-1 156 0 0,27 4 1 0 0,-40-3-70 0 0,0 0-1 0 0,0 0 1 0 0,1 0 0 0 0,-1 0-1 0 0,0 0 1 0 0,1 0 0 0 0,-1-1-1 0 0,0 1 1 0 0,0 0 0 0 0,1-1-1 0 0,-1 1 1 0 0,1-1 0 0 0,0 0 12 0 0,-1 1 48 0 0,13-4 245 0 0,-9 3-333 0 0,10-13-157 0 0,-2-2-783 0 0,-8 14-2756 0 0</inkml:trace>
+</inkml:ink>
+</file>
+
+<file path=ppt/ink/ink4.xml><?xml version="1.0" encoding="utf-8"?>
+<inkml:ink xmlns:inkml="http://www.w3.org/2003/InkML">
+  <inkml:definitions>
+    <inkml:context xml:id="ctx0">
+      <inkml:inkSource xml:id="inkSrc0">
+        <inkml:traceFormat>
+          <inkml:channel name="X" type="integer" min="-2.14748E9" max="2.14748E9" units="cm"/>
+          <inkml:channel name="Y" type="integer" min="-2.14748E9" max="2.14748E9" units="cm"/>
+          <inkml:channel name="F" type="integer" max="32767" units="dev"/>
+          <inkml:channel name="OA" type="integer" max="360" units="deg"/>
+          <inkml:channel name="OE" type="integer" max="90" units="deg"/>
+        </inkml:traceFormat>
+        <inkml:channelProperties>
+          <inkml:channelProperty channel="X" name="resolution" value="1000" units="1/cm"/>
+          <inkml:channelProperty channel="Y" name="resolution" value="1000" units="1/cm"/>
+          <inkml:channelProperty channel="F" name="resolution" value="0" units="1/dev"/>
+          <inkml:channelProperty channel="OA" name="resolution" value="1000" units="1/deg"/>
+          <inkml:channelProperty channel="OE" name="resolution" value="1000" units="1/deg"/>
+        </inkml:channelProperties>
+      </inkml:inkSource>
+      <inkml:timestamp xml:id="ts0" timeString="2020-12-04T17:00:48.580"/>
+    </inkml:context>
+    <inkml:brush xml:id="br0">
+      <inkml:brushProperty name="width" value="0.05" units="cm"/>
+      <inkml:brushProperty name="height" value="0.05" units="cm"/>
+      <inkml:brushProperty name="color" value="#004F8B"/>
+    </inkml:brush>
+  </inkml:definitions>
+  <inkml:trace contextRef="#ctx0" brushRef="#br0">87 56 1840 0 0,'-14'2'451'0'0,"10"-1"957"0"0,0 1 1 0 0,0-1 0 0 0,0-1-1 0 0,0 1 1 0 0,-1-1-1 0 0,1 1 1 0 0,-7-2 0 0 0,5 1 479 0 0,-4 2 708 0 0,-4-1 5423 0 0,12 1-6828 0 0,3-2-472 0 0,2 0-902 0 0,147 6 1168 0 0,204-12-487 0 0,134 1 124 0 0,-284 9-333 0 0,293 10 758 0 0,-362-3-781 0 0,65 3 232 0 0,-200-14-496 0 0,53-2 124 0 0,-48 1-85 0 0,0 0-1 0 0,0 1 1 0 0,0-2-1 0 0,0 1 0 0 0,0-1 1 0 0,0 1-1 0 0,0-2 1 0 0,4-1-1 0 0,-8 3-37 0 0,0 0 1 0 0,0 0-1 0 0,1 0 1 0 0,-1 0-1 0 0,0 0 1 0 0,-1 0-1 0 0,1 0 1 0 0,0 0-1 0 0,0 0 0 0 0,0 0 1 0 0,0 0-1 0 0,-1-1 1 0 0,1 1-1 0 0,-1 0 1 0 0,1 0-1 0 0,-1-1 1 0 0,1 1-1 0 0,-1 0 0 0 0,0-1 1 0 0,0 1-1 0 0,0-1 1 0 0,0 1-1 0 0,0 0 1 0 0,0-1-1 0 0,0 1 1 0 0,0-1-1 0 0,-1-1 0 0 0,0-1-88 0 0,0 1 0 0 0,0-1 0 0 0,0 1 0 0 0,-1-1 0 0 0,1 1 0 0 0,-1-1 0 0 0,-3-3 0 0 0,-17-10-6175 0 0,21 14 4680 0 0</inkml:trace>
+</inkml:ink>
+</file>
+
+<file path=ppt/ink/ink5.xml><?xml version="1.0" encoding="utf-8"?>
+<inkml:ink xmlns:inkml="http://www.w3.org/2003/InkML">
+  <inkml:definitions>
+    <inkml:context xml:id="ctx0">
+      <inkml:inkSource xml:id="inkSrc0">
+        <inkml:traceFormat>
+          <inkml:channel name="X" type="integer" min="-2.14748E9" max="2.14748E9" units="cm"/>
+          <inkml:channel name="Y" type="integer" min="-2.14748E9" max="2.14748E9" units="cm"/>
+          <inkml:channel name="F" type="integer" max="32767" units="dev"/>
+          <inkml:channel name="OA" type="integer" max="360" units="deg"/>
+          <inkml:channel name="OE" type="integer" max="90" units="deg"/>
+        </inkml:traceFormat>
+        <inkml:channelProperties>
+          <inkml:channelProperty channel="X" name="resolution" value="1000" units="1/cm"/>
+          <inkml:channelProperty channel="Y" name="resolution" value="1000" units="1/cm"/>
+          <inkml:channelProperty channel="F" name="resolution" value="0" units="1/dev"/>
+          <inkml:channelProperty channel="OA" name="resolution" value="1000" units="1/deg"/>
+          <inkml:channelProperty channel="OE" name="resolution" value="1000" units="1/deg"/>
+        </inkml:channelProperties>
+      </inkml:inkSource>
+      <inkml:timestamp xml:id="ts0" timeString="2020-12-04T17:00:54.562"/>
+    </inkml:context>
+    <inkml:brush xml:id="br0">
+      <inkml:brushProperty name="width" value="0.05" units="cm"/>
+      <inkml:brushProperty name="height" value="0.05" units="cm"/>
+      <inkml:brushProperty name="color" value="#004F8B"/>
+    </inkml:brush>
+  </inkml:definitions>
+  <inkml:trace contextRef="#ctx0" brushRef="#br0">71 39 8752 0 0,'-14'-1'936'0'0,"9"-1"6"0"0,0 1 1 0 0,0-1 0 0 0,0 0-1 0 0,1 0 1 0 0,-1 0 0 0 0,1-1-1 0 0,-1 0 1 0 0,1 0-1 0 0,0 0 1 0 0,0 0 0 0 0,-3-7 3007 0 0,7 10-3890 0 0,0 0 0 0 0,0 0 1 0 0,0 0-1 0 0,0-1 662 0 0,0 1-662 0 0,13 2 852 0 0,15 5-767 0 0,34 12 619 0 0,1-2-1 0 0,77 9 0 0 0,132 0 531 0 0,-27-19-1129 0 0,-170-5-5 0 0,103-2 1070 0 0,-109-2-951 0 0,-1-3 0 0 0,115-22 0 0 0,-166 23-321 0 0,-1-1-1 0 0,0 0 1 0 0,0-1 0 0 0,0 0 0 0 0,-1-2-1 0 0,28-16 1 0 0,-21 12 42 0 0,-22 12 0 0 0,0 0 0 0 0,1 0 0 0 0,-1-1-1 0 0,0 1 1 0 0,0 0 0 0 0,0 0 0 0 0,0 0 0 0 0,0 0 0 0 0,0 0-1 0 0,0 0 1 0 0,1 0 0 0 0,-1 0 0 0 0,0 0 0 0 0,0 0-1 0 0,0 0 1 0 0,0 0 0 0 0,0-1 0 0 0,1 1 0 0 0,-1 0 0 0 0,0 0-1 0 0,0 0 1 0 0,0 0 0 0 0,0 0 0 0 0,0 0 0 0 0,1 0 0 0 0,-1 0-1 0 0,0 1 1 0 0,0-1 0 0 0,0 0 0 0 0,0 0 0 0 0,0 0 0 0 0,1 0-1 0 0,-1 0 1 0 0,0 0 0 0 0,0 0 0 0 0,0 0 0 0 0,0 0 0 0 0,0 0-1 0 0,0 0 1 0 0,0 0 0 0 0,1 1 0 0 0,-1-1 0 0 0,0 0 0 0 0,0 0-1 0 0,0 0 1 0 0,0 0 0 0 0,0 0 0 0 0,0 0 0 0 0,0 1 0 0 0,0-1-1 0 0,0 0 1 0 0,0 0 0 0 0,0 3-63 0 0,-7 13-1291 0 0,6-14 946 0 0,0 1-1 0 0,-1-1 1 0 0,1 1 0 0 0,0 0-1 0 0,-1 5 1 0 0,1 11-3529 0 0,1-12 1926 0 0</inkml:trace>
+</inkml:ink>
+</file>
+
+<file path=ppt/ink/ink6.xml><?xml version="1.0" encoding="utf-8"?>
+<inkml:ink xmlns:inkml="http://www.w3.org/2003/InkML">
+  <inkml:definitions>
+    <inkml:context xml:id="ctx0">
+      <inkml:inkSource xml:id="inkSrc0">
+        <inkml:traceFormat>
+          <inkml:channel name="X" type="integer" min="-2.14748E9" max="2.14748E9" units="cm"/>
+          <inkml:channel name="Y" type="integer" min="-2.14748E9" max="2.14748E9" units="cm"/>
+          <inkml:channel name="F" type="integer" max="32767" units="dev"/>
+          <inkml:channel name="OA" type="integer" max="360" units="deg"/>
+          <inkml:channel name="OE" type="integer" max="90" units="deg"/>
+        </inkml:traceFormat>
+        <inkml:channelProperties>
+          <inkml:channelProperty channel="X" name="resolution" value="1000" units="1/cm"/>
+          <inkml:channelProperty channel="Y" name="resolution" value="1000" units="1/cm"/>
+          <inkml:channelProperty channel="F" name="resolution" value="0" units="1/dev"/>
+          <inkml:channelProperty channel="OA" name="resolution" value="1000" units="1/deg"/>
+          <inkml:channelProperty channel="OE" name="resolution" value="1000" units="1/deg"/>
+        </inkml:channelProperties>
+      </inkml:inkSource>
+      <inkml:timestamp xml:id="ts0" timeString="2020-12-04T17:01:14.930"/>
+    </inkml:context>
+    <inkml:brush xml:id="br0">
+      <inkml:brushProperty name="width" value="0.05" units="cm"/>
+      <inkml:brushProperty name="height" value="0.05" units="cm"/>
+      <inkml:brushProperty name="color" value="#004F8B"/>
+    </inkml:brush>
+  </inkml:definitions>
+  <inkml:trace contextRef="#ctx0" brushRef="#br0">195 143 1840 0 0,'0'0'83'0'0,"-15"-8"133"0"0,7-1 1186 0 0,7 7-1144 0 0,0 0 1 0 0,-1 1 0 0 0,1-1 0 0 0,-1 1-1 0 0,1 0 1 0 0,-1-1 0 0 0,-2-1-1 0 0,3 2-240 0 0,0 0 0 0 0,-1 0-1 0 0,1 0 1 0 0,0-1 0 0 0,0 1-1 0 0,0-1 1 0 0,0 1-1 0 0,0-1 1 0 0,-1-1 0 0 0,-9-12 59 0 0,0 2-175 0 0,10 10 81 0 0,-1 0-1 0 0,0 0 1 0 0,-1 0 0 0 0,1 0 0 0 0,-5-4-1 0 0,5 6 316 0 0,-1-1-1 0 0,1 0 0 0 0,-1 1 0 0 0,0 0 1 0 0,0-1-1 0 0,1 1 0 0 0,-1 0 0 0 0,0 1 0 0 0,0-1 1 0 0,0 0-1 0 0,0 1 0 0 0,0-1 0 0 0,0 1 0 0 0,0 0 1 0 0,0 0-1 0 0,-6 1 0 0 0,4 0 648 0 0,-1-1 0 0 0,1 0 0 0 0,-1-1 0 0 0,-8-1 0 0 0,8 2 197 0 0,-4-2 4542 0 0,23-6-5317 0 0,-7 6-332 0 0,-1 1 0 0 0,1-1 0 0 0,0 1 0 0 0,0 0 0 0 0,0 0 0 0 0,0 1 0 0 0,0-1 0 0 0,0 1 1 0 0,6 1-1 0 0,19-1 236 0 0,-20 0-111 0 0,1 0 1 0 0,12 2-1 0 0,-12-1 35 0 0,24-1 0 0 0,295-4 725 0 0,-185 6-567 0 0,128 8 64 0 0,-89-1-112 0 0,309-5 562 0 0,-334-4-408 0 0,61-11 44 0 0,-120 4-286 0 0,-33 3-74 0 0,192-7 334 0 0,-61 19 15 0 0,-166-3-131 0 0,-32-5 358 0 0,-7-17-772 0 0</inkml:trace>
+</inkml:ink>
 </file>
 
 <file path=ppt/notesMasters/notesMaster1.xml><?xml version="1.0" encoding="utf-8"?>
@@ -837,7 +1029,7 @@
           <a:p>
             <a:fld id="{3A2BF66F-FEB0-48C1-A8B9-A73F54BB1A08}" type="datetimeFigureOut">
               <a:rPr lang="en-US" smtClean="0"/>
-              <a:t>12/3/2020</a:t>
+              <a:t>12/4/2020</a:t>
             </a:fld>
             <a:endParaRPr lang="en-US"/>
           </a:p>
@@ -1037,7 +1229,7 @@
           <a:p>
             <a:fld id="{3A2BF66F-FEB0-48C1-A8B9-A73F54BB1A08}" type="datetimeFigureOut">
               <a:rPr lang="en-US" smtClean="0"/>
-              <a:t>12/3/2020</a:t>
+              <a:t>12/4/2020</a:t>
             </a:fld>
             <a:endParaRPr lang="en-US"/>
           </a:p>
@@ -1247,7 +1439,7 @@
           <a:p>
             <a:fld id="{3A2BF66F-FEB0-48C1-A8B9-A73F54BB1A08}" type="datetimeFigureOut">
               <a:rPr lang="en-US" smtClean="0"/>
-              <a:t>12/3/2020</a:t>
+              <a:t>12/4/2020</a:t>
             </a:fld>
             <a:endParaRPr lang="en-US"/>
           </a:p>
@@ -1447,7 +1639,7 @@
           <a:p>
             <a:fld id="{3A2BF66F-FEB0-48C1-A8B9-A73F54BB1A08}" type="datetimeFigureOut">
               <a:rPr lang="en-US" smtClean="0"/>
-              <a:t>12/3/2020</a:t>
+              <a:t>12/4/2020</a:t>
             </a:fld>
             <a:endParaRPr lang="en-US"/>
           </a:p>
@@ -1724,7 +1916,7 @@
           <a:p>
             <a:fld id="{3A2BF66F-FEB0-48C1-A8B9-A73F54BB1A08}" type="datetimeFigureOut">
               <a:rPr lang="en-US" smtClean="0"/>
-              <a:t>12/3/2020</a:t>
+              <a:t>12/4/2020</a:t>
             </a:fld>
             <a:endParaRPr lang="en-US"/>
           </a:p>
@@ -1991,7 +2183,7 @@
           <a:p>
             <a:fld id="{3A2BF66F-FEB0-48C1-A8B9-A73F54BB1A08}" type="datetimeFigureOut">
               <a:rPr lang="en-US" smtClean="0"/>
-              <a:t>12/3/2020</a:t>
+              <a:t>12/4/2020</a:t>
             </a:fld>
             <a:endParaRPr lang="en-US"/>
           </a:p>
@@ -2405,7 +2597,7 @@
           <a:p>
             <a:fld id="{3A2BF66F-FEB0-48C1-A8B9-A73F54BB1A08}" type="datetimeFigureOut">
               <a:rPr lang="en-US" smtClean="0"/>
-              <a:t>12/3/2020</a:t>
+              <a:t>12/4/2020</a:t>
             </a:fld>
             <a:endParaRPr lang="en-US"/>
           </a:p>
@@ -2548,7 +2740,7 @@
           <a:p>
             <a:fld id="{3A2BF66F-FEB0-48C1-A8B9-A73F54BB1A08}" type="datetimeFigureOut">
               <a:rPr lang="en-US" smtClean="0"/>
-              <a:t>12/3/2020</a:t>
+              <a:t>12/4/2020</a:t>
             </a:fld>
             <a:endParaRPr lang="en-US"/>
           </a:p>
@@ -2663,7 +2855,7 @@
           <a:p>
             <a:fld id="{3A2BF66F-FEB0-48C1-A8B9-A73F54BB1A08}" type="datetimeFigureOut">
               <a:rPr lang="en-US" smtClean="0"/>
-              <a:t>12/3/2020</a:t>
+              <a:t>12/4/2020</a:t>
             </a:fld>
             <a:endParaRPr lang="en-US"/>
           </a:p>
@@ -2975,7 +3167,7 @@
           <a:p>
             <a:fld id="{3A2BF66F-FEB0-48C1-A8B9-A73F54BB1A08}" type="datetimeFigureOut">
               <a:rPr lang="en-US" smtClean="0"/>
-              <a:t>12/3/2020</a:t>
+              <a:t>12/4/2020</a:t>
             </a:fld>
             <a:endParaRPr lang="en-US"/>
           </a:p>
@@ -3265,7 +3457,7 @@
           <a:p>
             <a:fld id="{3A2BF66F-FEB0-48C1-A8B9-A73F54BB1A08}" type="datetimeFigureOut">
               <a:rPr lang="en-US" smtClean="0"/>
-              <a:t>12/3/2020</a:t>
+              <a:t>12/4/2020</a:t>
             </a:fld>
             <a:endParaRPr lang="en-US"/>
           </a:p>
@@ -3508,7 +3700,7 @@
           <a:p>
             <a:fld id="{3A2BF66F-FEB0-48C1-A8B9-A73F54BB1A08}" type="datetimeFigureOut">
               <a:rPr lang="en-US" smtClean="0"/>
-              <a:t>12/3/2020</a:t>
+              <a:t>12/4/2020</a:t>
             </a:fld>
             <a:endParaRPr lang="en-US"/>
           </a:p>
@@ -4197,6 +4389,261 @@
           </a:p>
         </p:txBody>
       </p:sp>
+      <mc:AlternateContent xmlns:mc="http://schemas.openxmlformats.org/markup-compatibility/2006">
+        <mc:Choice xmlns:p14="http://schemas.microsoft.com/office/powerpoint/2010/main" Requires="p14">
+          <p:contentPart p14:bwMode="auto" r:id="rId2">
+            <p14:nvContentPartPr>
+              <p14:cNvPr id="4" name="Ink 3">
+                <a:extLst>
+                  <a:ext uri="{FF2B5EF4-FFF2-40B4-BE49-F238E27FC236}">
+                    <a16:creationId xmlns:a16="http://schemas.microsoft.com/office/drawing/2014/main" id="{3CF3E065-44B2-4ED8-821B-54C2BB920946}"/>
+                  </a:ext>
+                </a:extLst>
+              </p14:cNvPr>
+              <p14:cNvContentPartPr/>
+              <p14:nvPr/>
+            </p14:nvContentPartPr>
+            <p14:xfrm>
+              <a:off x="2278009" y="1747339"/>
+              <a:ext cx="540360" cy="55440"/>
+            </p14:xfrm>
+          </p:contentPart>
+        </mc:Choice>
+        <mc:Fallback>
+          <p:pic>
+            <p:nvPicPr>
+              <p:cNvPr id="4" name="Ink 3">
+                <a:extLst>
+                  <a:ext uri="{FF2B5EF4-FFF2-40B4-BE49-F238E27FC236}">
+                    <a16:creationId xmlns:a16="http://schemas.microsoft.com/office/drawing/2014/main" id="{3CF3E065-44B2-4ED8-821B-54C2BB920946}"/>
+                  </a:ext>
+                </a:extLst>
+              </p:cNvPr>
+              <p:cNvPicPr/>
+              <p:nvPr/>
+            </p:nvPicPr>
+            <p:blipFill>
+              <a:blip r:embed="rId3"/>
+              <a:stretch>
+                <a:fillRect/>
+              </a:stretch>
+            </p:blipFill>
+            <p:spPr>
+              <a:xfrm>
+                <a:off x="2269369" y="1738339"/>
+                <a:ext cx="558000" cy="73080"/>
+              </a:xfrm>
+              <a:prstGeom prst="rect">
+                <a:avLst/>
+              </a:prstGeom>
+            </p:spPr>
+          </p:pic>
+        </mc:Fallback>
+      </mc:AlternateContent>
+      <mc:AlternateContent xmlns:mc="http://schemas.openxmlformats.org/markup-compatibility/2006">
+        <mc:Choice xmlns:p14="http://schemas.microsoft.com/office/powerpoint/2010/main" Requires="p14">
+          <p:contentPart p14:bwMode="auto" r:id="rId4">
+            <p14:nvContentPartPr>
+              <p14:cNvPr id="5" name="Ink 4">
+                <a:extLst>
+                  <a:ext uri="{FF2B5EF4-FFF2-40B4-BE49-F238E27FC236}">
+                    <a16:creationId xmlns:a16="http://schemas.microsoft.com/office/drawing/2014/main" id="{165930AE-E37C-42E1-826A-385AA3EB2C15}"/>
+                  </a:ext>
+                </a:extLst>
+              </p14:cNvPr>
+              <p14:cNvContentPartPr/>
+              <p14:nvPr/>
+            </p14:nvContentPartPr>
+            <p14:xfrm>
+              <a:off x="2377369" y="2142259"/>
+              <a:ext cx="676080" cy="48960"/>
+            </p14:xfrm>
+          </p:contentPart>
+        </mc:Choice>
+        <mc:Fallback>
+          <p:pic>
+            <p:nvPicPr>
+              <p:cNvPr id="5" name="Ink 4">
+                <a:extLst>
+                  <a:ext uri="{FF2B5EF4-FFF2-40B4-BE49-F238E27FC236}">
+                    <a16:creationId xmlns:a16="http://schemas.microsoft.com/office/drawing/2014/main" id="{165930AE-E37C-42E1-826A-385AA3EB2C15}"/>
+                  </a:ext>
+                </a:extLst>
+              </p:cNvPr>
+              <p:cNvPicPr/>
+              <p:nvPr/>
+            </p:nvPicPr>
+            <p:blipFill>
+              <a:blip r:embed="rId5"/>
+              <a:stretch>
+                <a:fillRect/>
+              </a:stretch>
+            </p:blipFill>
+            <p:spPr>
+              <a:xfrm>
+                <a:off x="2368369" y="2133619"/>
+                <a:ext cx="693720" cy="66600"/>
+              </a:xfrm>
+              <a:prstGeom prst="rect">
+                <a:avLst/>
+              </a:prstGeom>
+            </p:spPr>
+          </p:pic>
+        </mc:Fallback>
+      </mc:AlternateContent>
+      <mc:AlternateContent xmlns:mc="http://schemas.openxmlformats.org/markup-compatibility/2006">
+        <mc:Choice xmlns:p14="http://schemas.microsoft.com/office/powerpoint/2010/main" Requires="p14">
+          <p:contentPart p14:bwMode="auto" r:id="rId6">
+            <p14:nvContentPartPr>
+              <p14:cNvPr id="6" name="Ink 5">
+                <a:extLst>
+                  <a:ext uri="{FF2B5EF4-FFF2-40B4-BE49-F238E27FC236}">
+                    <a16:creationId xmlns:a16="http://schemas.microsoft.com/office/drawing/2014/main" id="{8012971E-C074-4655-B054-7EE5E86A8899}"/>
+                  </a:ext>
+                </a:extLst>
+              </p14:cNvPr>
+              <p14:cNvContentPartPr/>
+              <p14:nvPr/>
+            </p14:nvContentPartPr>
+            <p14:xfrm>
+              <a:off x="837289" y="2581459"/>
+              <a:ext cx="460080" cy="30600"/>
+            </p14:xfrm>
+          </p:contentPart>
+        </mc:Choice>
+        <mc:Fallback>
+          <p:pic>
+            <p:nvPicPr>
+              <p:cNvPr id="6" name="Ink 5">
+                <a:extLst>
+                  <a:ext uri="{FF2B5EF4-FFF2-40B4-BE49-F238E27FC236}">
+                    <a16:creationId xmlns:a16="http://schemas.microsoft.com/office/drawing/2014/main" id="{8012971E-C074-4655-B054-7EE5E86A8899}"/>
+                  </a:ext>
+                </a:extLst>
+              </p:cNvPr>
+              <p:cNvPicPr/>
+              <p:nvPr/>
+            </p:nvPicPr>
+            <p:blipFill>
+              <a:blip r:embed="rId7"/>
+              <a:stretch>
+                <a:fillRect/>
+              </a:stretch>
+            </p:blipFill>
+            <p:spPr>
+              <a:xfrm>
+                <a:off x="828649" y="2572819"/>
+                <a:ext cx="477720" cy="48240"/>
+              </a:xfrm>
+              <a:prstGeom prst="rect">
+                <a:avLst/>
+              </a:prstGeom>
+            </p:spPr>
+          </p:pic>
+        </mc:Fallback>
+      </mc:AlternateContent>
+      <mc:AlternateContent xmlns:mc="http://schemas.openxmlformats.org/markup-compatibility/2006">
+        <mc:Choice xmlns:p14="http://schemas.microsoft.com/office/powerpoint/2010/main" Requires="p14">
+          <p:contentPart p14:bwMode="auto" r:id="rId8">
+            <p14:nvContentPartPr>
+              <p14:cNvPr id="7" name="Ink 6">
+                <a:extLst>
+                  <a:ext uri="{FF2B5EF4-FFF2-40B4-BE49-F238E27FC236}">
+                    <a16:creationId xmlns:a16="http://schemas.microsoft.com/office/drawing/2014/main" id="{D1EA42BD-4AA0-4C43-9414-77D0B4C8B7A9}"/>
+                  </a:ext>
+                </a:extLst>
+              </p14:cNvPr>
+              <p14:cNvContentPartPr/>
+              <p14:nvPr/>
+            </p14:nvContentPartPr>
+            <p14:xfrm>
+              <a:off x="4729969" y="2980339"/>
+              <a:ext cx="774360" cy="38160"/>
+            </p14:xfrm>
+          </p:contentPart>
+        </mc:Choice>
+        <mc:Fallback>
+          <p:pic>
+            <p:nvPicPr>
+              <p:cNvPr id="7" name="Ink 6">
+                <a:extLst>
+                  <a:ext uri="{FF2B5EF4-FFF2-40B4-BE49-F238E27FC236}">
+                    <a16:creationId xmlns:a16="http://schemas.microsoft.com/office/drawing/2014/main" id="{D1EA42BD-4AA0-4C43-9414-77D0B4C8B7A9}"/>
+                  </a:ext>
+                </a:extLst>
+              </p:cNvPr>
+              <p:cNvPicPr/>
+              <p:nvPr/>
+            </p:nvPicPr>
+            <p:blipFill>
+              <a:blip r:embed="rId9"/>
+              <a:stretch>
+                <a:fillRect/>
+              </a:stretch>
+            </p:blipFill>
+            <p:spPr>
+              <a:xfrm>
+                <a:off x="4721329" y="2971699"/>
+                <a:ext cx="792000" cy="55800"/>
+              </a:xfrm>
+              <a:prstGeom prst="rect">
+                <a:avLst/>
+              </a:prstGeom>
+            </p:spPr>
+          </p:pic>
+        </mc:Fallback>
+      </mc:AlternateContent>
+      <mc:AlternateContent xmlns:mc="http://schemas.openxmlformats.org/markup-compatibility/2006">
+        <mc:Choice xmlns:p14="http://schemas.microsoft.com/office/powerpoint/2010/main" Requires="p14">
+          <p:contentPart p14:bwMode="auto" r:id="rId10">
+            <p14:nvContentPartPr>
+              <p14:cNvPr id="8" name="Ink 7">
+                <a:extLst>
+                  <a:ext uri="{FF2B5EF4-FFF2-40B4-BE49-F238E27FC236}">
+                    <a16:creationId xmlns:a16="http://schemas.microsoft.com/office/drawing/2014/main" id="{CBF2D6EA-5F92-4710-AFA6-42C02E28D597}"/>
+                  </a:ext>
+                </a:extLst>
+              </p14:cNvPr>
+              <p14:cNvContentPartPr/>
+              <p14:nvPr/>
+            </p14:nvContentPartPr>
+            <p14:xfrm>
+              <a:off x="1603009" y="3322339"/>
+              <a:ext cx="563040" cy="38520"/>
+            </p14:xfrm>
+          </p:contentPart>
+        </mc:Choice>
+        <mc:Fallback>
+          <p:pic>
+            <p:nvPicPr>
+              <p:cNvPr id="8" name="Ink 7">
+                <a:extLst>
+                  <a:ext uri="{FF2B5EF4-FFF2-40B4-BE49-F238E27FC236}">
+                    <a16:creationId xmlns:a16="http://schemas.microsoft.com/office/drawing/2014/main" id="{CBF2D6EA-5F92-4710-AFA6-42C02E28D597}"/>
+                  </a:ext>
+                </a:extLst>
+              </p:cNvPr>
+              <p:cNvPicPr/>
+              <p:nvPr/>
+            </p:nvPicPr>
+            <p:blipFill>
+              <a:blip r:embed="rId11"/>
+              <a:stretch>
+                <a:fillRect/>
+              </a:stretch>
+            </p:blipFill>
+            <p:spPr>
+              <a:xfrm>
+                <a:off x="1594009" y="3313699"/>
+                <a:ext cx="580680" cy="56160"/>
+              </a:xfrm>
+              <a:prstGeom prst="rect">
+                <a:avLst/>
+              </a:prstGeom>
+            </p:spPr>
+          </p:pic>
+        </mc:Fallback>
+      </mc:AlternateContent>
     </p:spTree>
     <p:extLst>
       <p:ext uri="{BB962C8B-B14F-4D97-AF65-F5344CB8AC3E}">
@@ -4292,6 +4739,57 @@
           </a:p>
         </p:txBody>
       </p:sp>
+      <mc:AlternateContent xmlns:mc="http://schemas.openxmlformats.org/markup-compatibility/2006">
+        <mc:Choice xmlns:p14="http://schemas.microsoft.com/office/powerpoint/2010/main" Requires="p14">
+          <p:contentPart p14:bwMode="auto" r:id="rId2">
+            <p14:nvContentPartPr>
+              <p14:cNvPr id="4" name="Ink 3">
+                <a:extLst>
+                  <a:ext uri="{FF2B5EF4-FFF2-40B4-BE49-F238E27FC236}">
+                    <a16:creationId xmlns:a16="http://schemas.microsoft.com/office/drawing/2014/main" id="{6CDEC1AB-E41E-4DF0-ABF4-F0F6A8509FC1}"/>
+                  </a:ext>
+                </a:extLst>
+              </p14:cNvPr>
+              <p14:cNvContentPartPr/>
+              <p14:nvPr/>
+            </p14:nvContentPartPr>
+            <p14:xfrm>
+              <a:off x="788689" y="1770379"/>
+              <a:ext cx="964440" cy="51480"/>
+            </p14:xfrm>
+          </p:contentPart>
+        </mc:Choice>
+        <mc:Fallback>
+          <p:pic>
+            <p:nvPicPr>
+              <p:cNvPr id="4" name="Ink 3">
+                <a:extLst>
+                  <a:ext uri="{FF2B5EF4-FFF2-40B4-BE49-F238E27FC236}">
+                    <a16:creationId xmlns:a16="http://schemas.microsoft.com/office/drawing/2014/main" id="{6CDEC1AB-E41E-4DF0-ABF4-F0F6A8509FC1}"/>
+                  </a:ext>
+                </a:extLst>
+              </p:cNvPr>
+              <p:cNvPicPr/>
+              <p:nvPr/>
+            </p:nvPicPr>
+            <p:blipFill>
+              <a:blip r:embed="rId3"/>
+              <a:stretch>
+                <a:fillRect/>
+              </a:stretch>
+            </p:blipFill>
+            <p:spPr>
+              <a:xfrm>
+                <a:off x="780049" y="1761739"/>
+                <a:ext cx="982080" cy="69120"/>
+              </a:xfrm>
+              <a:prstGeom prst="rect">
+                <a:avLst/>
+              </a:prstGeom>
+            </p:spPr>
+          </p:pic>
+        </mc:Fallback>
+      </mc:AlternateContent>
     </p:spTree>
     <p:extLst>
       <p:ext uri="{BB962C8B-B14F-4D97-AF65-F5344CB8AC3E}">
